--- a/nov26.pptx
+++ b/nov26.pptx
@@ -16,6 +16,12 @@
     <p:sldId id="265" r:id="rId10"/>
     <p:sldId id="267" r:id="rId11"/>
     <p:sldId id="266" r:id="rId12"/>
+    <p:sldId id="270" r:id="rId13"/>
+    <p:sldId id="268" r:id="rId14"/>
+    <p:sldId id="271" r:id="rId15"/>
+    <p:sldId id="272" r:id="rId16"/>
+    <p:sldId id="273" r:id="rId17"/>
+    <p:sldId id="274" r:id="rId18"/>
   </p:sldIdLst>
   <p:sldSz cx="12192000" cy="6858000"/>
   <p:notesSz cx="6858000" cy="9144000"/>
@@ -114,6 +120,11 @@
       </a:defRPr>
     </a:lvl9pPr>
   </p:defaultTextStyle>
+  <p:extLst>
+    <p:ext uri="{EFAFB233-063F-42B5-8137-9DF3F51BA10A}">
+      <p15:sldGuideLst xmlns:p15="http://schemas.microsoft.com/office/powerpoint/2012/main"/>
+    </p:ext>
+  </p:extLst>
 </p:presentation>
 </file>
 
@@ -266,7 +277,7 @@
           <a:p>
             <a:fld id="{0F8995FA-B65B-4BED-B894-309B40EC47CF}" type="datetimeFigureOut">
               <a:rPr lang="en-CA" smtClean="0"/>
-              <a:t>2025-11-24</a:t>
+              <a:t>2025-11-25</a:t>
             </a:fld>
             <a:endParaRPr lang="en-CA"/>
           </a:p>
@@ -466,7 +477,7 @@
           <a:p>
             <a:fld id="{0F8995FA-B65B-4BED-B894-309B40EC47CF}" type="datetimeFigureOut">
               <a:rPr lang="en-CA" smtClean="0"/>
-              <a:t>2025-11-24</a:t>
+              <a:t>2025-11-25</a:t>
             </a:fld>
             <a:endParaRPr lang="en-CA"/>
           </a:p>
@@ -676,7 +687,7 @@
           <a:p>
             <a:fld id="{0F8995FA-B65B-4BED-B894-309B40EC47CF}" type="datetimeFigureOut">
               <a:rPr lang="en-CA" smtClean="0"/>
-              <a:t>2025-11-24</a:t>
+              <a:t>2025-11-25</a:t>
             </a:fld>
             <a:endParaRPr lang="en-CA"/>
           </a:p>
@@ -876,7 +887,7 @@
           <a:p>
             <a:fld id="{0F8995FA-B65B-4BED-B894-309B40EC47CF}" type="datetimeFigureOut">
               <a:rPr lang="en-CA" smtClean="0"/>
-              <a:t>2025-11-24</a:t>
+              <a:t>2025-11-25</a:t>
             </a:fld>
             <a:endParaRPr lang="en-CA"/>
           </a:p>
@@ -1152,7 +1163,7 @@
           <a:p>
             <a:fld id="{0F8995FA-B65B-4BED-B894-309B40EC47CF}" type="datetimeFigureOut">
               <a:rPr lang="en-CA" smtClean="0"/>
-              <a:t>2025-11-24</a:t>
+              <a:t>2025-11-25</a:t>
             </a:fld>
             <a:endParaRPr lang="en-CA"/>
           </a:p>
@@ -1420,7 +1431,7 @@
           <a:p>
             <a:fld id="{0F8995FA-B65B-4BED-B894-309B40EC47CF}" type="datetimeFigureOut">
               <a:rPr lang="en-CA" smtClean="0"/>
-              <a:t>2025-11-24</a:t>
+              <a:t>2025-11-25</a:t>
             </a:fld>
             <a:endParaRPr lang="en-CA"/>
           </a:p>
@@ -1835,7 +1846,7 @@
           <a:p>
             <a:fld id="{0F8995FA-B65B-4BED-B894-309B40EC47CF}" type="datetimeFigureOut">
               <a:rPr lang="en-CA" smtClean="0"/>
-              <a:t>2025-11-24</a:t>
+              <a:t>2025-11-25</a:t>
             </a:fld>
             <a:endParaRPr lang="en-CA"/>
           </a:p>
@@ -1977,7 +1988,7 @@
           <a:p>
             <a:fld id="{0F8995FA-B65B-4BED-B894-309B40EC47CF}" type="datetimeFigureOut">
               <a:rPr lang="en-CA" smtClean="0"/>
-              <a:t>2025-11-24</a:t>
+              <a:t>2025-11-25</a:t>
             </a:fld>
             <a:endParaRPr lang="en-CA"/>
           </a:p>
@@ -2090,7 +2101,7 @@
           <a:p>
             <a:fld id="{0F8995FA-B65B-4BED-B894-309B40EC47CF}" type="datetimeFigureOut">
               <a:rPr lang="en-CA" smtClean="0"/>
-              <a:t>2025-11-24</a:t>
+              <a:t>2025-11-25</a:t>
             </a:fld>
             <a:endParaRPr lang="en-CA"/>
           </a:p>
@@ -2403,7 +2414,7 @@
           <a:p>
             <a:fld id="{0F8995FA-B65B-4BED-B894-309B40EC47CF}" type="datetimeFigureOut">
               <a:rPr lang="en-CA" smtClean="0"/>
-              <a:t>2025-11-24</a:t>
+              <a:t>2025-11-25</a:t>
             </a:fld>
             <a:endParaRPr lang="en-CA"/>
           </a:p>
@@ -2692,7 +2703,7 @@
           <a:p>
             <a:fld id="{0F8995FA-B65B-4BED-B894-309B40EC47CF}" type="datetimeFigureOut">
               <a:rPr lang="en-CA" smtClean="0"/>
-              <a:t>2025-11-24</a:t>
+              <a:t>2025-11-25</a:t>
             </a:fld>
             <a:endParaRPr lang="en-CA"/>
           </a:p>
@@ -2935,7 +2946,7 @@
           <a:p>
             <a:fld id="{0F8995FA-B65B-4BED-B894-309B40EC47CF}" type="datetimeFigureOut">
               <a:rPr lang="en-CA" smtClean="0"/>
-              <a:t>2025-11-24</a:t>
+              <a:t>2025-11-25</a:t>
             </a:fld>
             <a:endParaRPr lang="en-CA"/>
           </a:p>
@@ -3550,6 +3561,36 @@
           <a:chExt cx="0" cy="0"/>
         </a:xfrm>
       </p:grpSpPr>
+      <p:pic>
+        <p:nvPicPr>
+          <p:cNvPr id="5" name="Picture 4">
+            <a:extLst>
+              <a:ext uri="{FF2B5EF4-FFF2-40B4-BE49-F238E27FC236}">
+                <a16:creationId xmlns:a16="http://schemas.microsoft.com/office/drawing/2014/main" id="{E1A70818-EC77-6229-8F46-A3403B831684}"/>
+              </a:ext>
+            </a:extLst>
+          </p:cNvPr>
+          <p:cNvPicPr>
+            <a:picLocks noChangeAspect="1"/>
+          </p:cNvPicPr>
+          <p:nvPr/>
+        </p:nvPicPr>
+        <p:blipFill>
+          <a:blip r:embed="rId2"/>
+          <a:stretch>
+            <a:fillRect/>
+          </a:stretch>
+        </p:blipFill>
+        <p:spPr>
+          <a:xfrm>
+            <a:off x="0" y="1883808"/>
+            <a:ext cx="12192000" cy="4828427"/>
+          </a:xfrm>
+          <a:prstGeom prst="rect">
+            <a:avLst/>
+          </a:prstGeom>
+        </p:spPr>
+      </p:pic>
       <p:sp>
         <p:nvSpPr>
           <p:cNvPr id="2" name="Title 1">
@@ -3574,24 +3615,38 @@
           <a:lstStyle/>
           <a:p>
             <a:r>
-              <a:rPr lang="en-CA" sz="3600" dirty="0"/>
-              <a:t>Regardless, I tried a different </a:t>
-            </a:r>
-            <a:r>
-              <a:rPr lang="en-CA" sz="3600" dirty="0" err="1"/>
+              <a:rPr lang="en-CA" sz="2800" dirty="0"/>
+              <a:t>I tried a different </a:t>
+            </a:r>
+            <a:r>
+              <a:rPr lang="en-CA" sz="2800" dirty="0" err="1"/>
               <a:t>Rdrv</a:t>
             </a:r>
             <a:r>
-              <a:rPr lang="en-CA" sz="3600" dirty="0"/>
+              <a:rPr lang="en-CA" sz="2800" dirty="0"/>
               <a:t>, </a:t>
             </a:r>
             <a:r>
-              <a:rPr lang="en-CA" sz="3600" dirty="0" err="1"/>
+              <a:rPr lang="en-CA" sz="2800" dirty="0" err="1"/>
               <a:t>Rrep</a:t>
             </a:r>
             <a:r>
-              <a:rPr lang="en-CA" sz="3600" dirty="0"/>
-              <a:t> configuration since we established that replicas are usually smaller (by a factor of ~5) to reduce power consumption</a:t>
+              <a:rPr lang="en-CA" sz="2800" dirty="0"/>
+              <a:t> configuration </a:t>
+            </a:r>
+            <a:br>
+              <a:rPr lang="en-CA" sz="2800" dirty="0"/>
+            </a:br>
+            <a:r>
+              <a:rPr lang="en-CA" sz="2800" dirty="0"/>
+              <a:t>1) to remove the Rh1 &gt;&gt; Rs issue</a:t>
+            </a:r>
+            <a:br>
+              <a:rPr lang="en-CA" sz="2800" dirty="0"/>
+            </a:br>
+            <a:r>
+              <a:rPr lang="en-CA" sz="2800" dirty="0"/>
+              <a:t>2) since we established that replicas are typically 5x smaller to reduce power consumption</a:t>
             </a:r>
           </a:p>
         </p:txBody>
@@ -3610,7 +3665,7 @@
         </p:nvSpPr>
         <p:spPr>
           <a:xfrm>
-            <a:off x="1337187" y="2497394"/>
+            <a:off x="2613328" y="3353554"/>
             <a:ext cx="1643399" cy="3139321"/>
           </a:xfrm>
           <a:prstGeom prst="rect">
@@ -3625,88 +3680,156 @@
           <a:lstStyle/>
           <a:p>
             <a:r>
-              <a:rPr lang="en-CA" dirty="0"/>
+              <a:rPr lang="en-CA" dirty="0">
+                <a:solidFill>
+                  <a:schemeClr val="bg1"/>
+                </a:solidFill>
+              </a:rPr>
               <a:t>Last time:</a:t>
             </a:r>
           </a:p>
           <a:p>
             <a:r>
-              <a:rPr lang="en-CA" dirty="0" err="1"/>
+              <a:rPr lang="en-CA" dirty="0" err="1">
+                <a:solidFill>
+                  <a:schemeClr val="bg1"/>
+                </a:solidFill>
+              </a:rPr>
               <a:t>Rdrv</a:t>
             </a:r>
             <a:r>
-              <a:rPr lang="en-CA" dirty="0"/>
+              <a:rPr lang="en-CA" dirty="0">
+                <a:solidFill>
+                  <a:schemeClr val="bg1"/>
+                </a:solidFill>
+              </a:rPr>
               <a:t> = 110</a:t>
             </a:r>
           </a:p>
           <a:p>
             <a:r>
-              <a:rPr lang="en-CA" dirty="0" err="1"/>
+              <a:rPr lang="en-CA" dirty="0" err="1">
+                <a:solidFill>
+                  <a:schemeClr val="bg1"/>
+                </a:solidFill>
+              </a:rPr>
               <a:t>Rrep</a:t>
             </a:r>
             <a:r>
-              <a:rPr lang="en-CA" dirty="0"/>
+              <a:rPr lang="en-CA" dirty="0">
+                <a:solidFill>
+                  <a:schemeClr val="bg1"/>
+                </a:solidFill>
+              </a:rPr>
               <a:t> = 110</a:t>
             </a:r>
           </a:p>
           <a:p>
             <a:r>
-              <a:rPr lang="en-CA" dirty="0"/>
+              <a:rPr lang="en-CA" dirty="0">
+                <a:solidFill>
+                  <a:schemeClr val="bg1"/>
+                </a:solidFill>
+              </a:rPr>
               <a:t>Rh1 = </a:t>
             </a:r>
             <a:r>
-              <a:rPr lang="en-CA" strike="sngStrike" dirty="0"/>
+              <a:rPr lang="en-CA" strike="sngStrike" dirty="0">
+                <a:solidFill>
+                  <a:schemeClr val="bg1"/>
+                </a:solidFill>
+              </a:rPr>
               <a:t>52.5</a:t>
             </a:r>
             <a:r>
-              <a:rPr lang="en-CA" dirty="0"/>
+              <a:rPr lang="en-CA" dirty="0">
+                <a:solidFill>
+                  <a:schemeClr val="bg1"/>
+                </a:solidFill>
+              </a:rPr>
               <a:t> 100</a:t>
             </a:r>
           </a:p>
           <a:p>
             <a:r>
-              <a:rPr lang="en-CA" dirty="0"/>
+              <a:rPr lang="en-CA" dirty="0">
+                <a:solidFill>
+                  <a:schemeClr val="bg1"/>
+                </a:solidFill>
+              </a:rPr>
               <a:t>Rh2 = 268</a:t>
             </a:r>
           </a:p>
           <a:p>
-            <a:endParaRPr lang="en-CA" dirty="0"/>
-          </a:p>
-          <a:p>
-            <a:r>
-              <a:rPr lang="en-CA" dirty="0"/>
+            <a:endParaRPr lang="en-CA" dirty="0">
+              <a:solidFill>
+                <a:schemeClr val="bg1"/>
+              </a:solidFill>
+            </a:endParaRPr>
+          </a:p>
+          <a:p>
+            <a:r>
+              <a:rPr lang="en-CA" dirty="0">
+                <a:solidFill>
+                  <a:schemeClr val="bg1"/>
+                </a:solidFill>
+              </a:rPr>
               <a:t>This time:</a:t>
             </a:r>
           </a:p>
           <a:p>
             <a:r>
-              <a:rPr lang="en-CA" dirty="0" err="1"/>
+              <a:rPr lang="en-CA" dirty="0" err="1">
+                <a:solidFill>
+                  <a:schemeClr val="bg1"/>
+                </a:solidFill>
+              </a:rPr>
               <a:t>Rdrv</a:t>
             </a:r>
             <a:r>
-              <a:rPr lang="en-CA" dirty="0"/>
+              <a:rPr lang="en-CA" dirty="0">
+                <a:solidFill>
+                  <a:schemeClr val="bg1"/>
+                </a:solidFill>
+              </a:rPr>
               <a:t> = 55</a:t>
             </a:r>
           </a:p>
           <a:p>
             <a:r>
-              <a:rPr lang="en-CA" dirty="0" err="1"/>
+              <a:rPr lang="en-CA" dirty="0" err="1">
+                <a:solidFill>
+                  <a:schemeClr val="bg1"/>
+                </a:solidFill>
+              </a:rPr>
               <a:t>Rrep</a:t>
             </a:r>
             <a:r>
-              <a:rPr lang="en-CA" dirty="0"/>
+              <a:rPr lang="en-CA" dirty="0">
+                <a:solidFill>
+                  <a:schemeClr val="bg1"/>
+                </a:solidFill>
+              </a:rPr>
               <a:t> = 275</a:t>
             </a:r>
           </a:p>
           <a:p>
             <a:r>
-              <a:rPr lang="en-CA" dirty="0"/>
+              <a:rPr lang="en-CA" dirty="0">
+                <a:solidFill>
+                  <a:schemeClr val="bg1"/>
+                </a:solidFill>
+              </a:rPr>
               <a:t>Rh1 = 918</a:t>
             </a:r>
           </a:p>
           <a:p>
             <a:r>
-              <a:rPr lang="en-CA" dirty="0"/>
+              <a:rPr lang="en-CA" dirty="0">
+                <a:solidFill>
+                  <a:schemeClr val="bg1"/>
+                </a:solidFill>
+              </a:rPr>
               <a:t>Rh2 = 1675</a:t>
             </a:r>
           </a:p>
@@ -3716,6 +3839,707 @@
     <p:extLst>
       <p:ext uri="{BB962C8B-B14F-4D97-AF65-F5344CB8AC3E}">
         <p14:creationId xmlns:p14="http://schemas.microsoft.com/office/powerpoint/2010/main" val="2097429459"/>
+      </p:ext>
+    </p:extLst>
+  </p:cSld>
+  <p:clrMapOvr>
+    <a:masterClrMapping/>
+  </p:clrMapOvr>
+</p:sld>
+</file>
+
+<file path=ppt/slides/slide12.xml><?xml version="1.0" encoding="utf-8"?>
+<p:sld xmlns:a="http://schemas.openxmlformats.org/drawingml/2006/main" xmlns:r="http://schemas.openxmlformats.org/officeDocument/2006/relationships" xmlns:p="http://schemas.openxmlformats.org/presentationml/2006/main">
+  <p:cSld>
+    <p:spTree>
+      <p:nvGrpSpPr>
+        <p:cNvPr id="1" name=""/>
+        <p:cNvGrpSpPr/>
+        <p:nvPr/>
+      </p:nvGrpSpPr>
+      <p:grpSpPr>
+        <a:xfrm>
+          <a:off x="0" y="0"/>
+          <a:ext cx="0" cy="0"/>
+          <a:chOff x="0" y="0"/>
+          <a:chExt cx="0" cy="0"/>
+        </a:xfrm>
+      </p:grpSpPr>
+      <p:sp>
+        <p:nvSpPr>
+          <p:cNvPr id="2" name="Title 1">
+            <a:extLst>
+              <a:ext uri="{FF2B5EF4-FFF2-40B4-BE49-F238E27FC236}">
+                <a16:creationId xmlns:a16="http://schemas.microsoft.com/office/drawing/2014/main" id="{CA5D7F17-E339-2FDF-8013-41C8132DA1A8}"/>
+              </a:ext>
+            </a:extLst>
+          </p:cNvPr>
+          <p:cNvSpPr>
+            <a:spLocks noGrp="1"/>
+          </p:cNvSpPr>
+          <p:nvPr>
+            <p:ph type="title"/>
+          </p:nvPr>
+        </p:nvSpPr>
+        <p:spPr/>
+        <p:txBody>
+          <a:bodyPr/>
+          <a:lstStyle/>
+          <a:p>
+            <a:r>
+              <a:rPr lang="en-CA" dirty="0"/>
+              <a:t>Result</a:t>
+            </a:r>
+          </a:p>
+        </p:txBody>
+      </p:sp>
+      <p:pic>
+        <p:nvPicPr>
+          <p:cNvPr id="3" name="Picture 2">
+            <a:extLst>
+              <a:ext uri="{FF2B5EF4-FFF2-40B4-BE49-F238E27FC236}">
+                <a16:creationId xmlns:a16="http://schemas.microsoft.com/office/drawing/2014/main" id="{E4C1D1EB-9DF4-416F-C796-1CE08E033191}"/>
+              </a:ext>
+            </a:extLst>
+          </p:cNvPr>
+          <p:cNvPicPr>
+            <a:picLocks noChangeAspect="1"/>
+          </p:cNvPicPr>
+          <p:nvPr/>
+        </p:nvPicPr>
+        <p:blipFill>
+          <a:blip r:embed="rId2"/>
+          <a:stretch>
+            <a:fillRect/>
+          </a:stretch>
+        </p:blipFill>
+        <p:spPr>
+          <a:xfrm>
+            <a:off x="0" y="1950259"/>
+            <a:ext cx="12192000" cy="4542616"/>
+          </a:xfrm>
+          <a:prstGeom prst="rect">
+            <a:avLst/>
+          </a:prstGeom>
+        </p:spPr>
+      </p:pic>
+    </p:spTree>
+    <p:extLst>
+      <p:ext uri="{BB962C8B-B14F-4D97-AF65-F5344CB8AC3E}">
+        <p14:creationId xmlns:p14="http://schemas.microsoft.com/office/powerpoint/2010/main" val="3086805852"/>
+      </p:ext>
+    </p:extLst>
+  </p:cSld>
+  <p:clrMapOvr>
+    <a:masterClrMapping/>
+  </p:clrMapOvr>
+</p:sld>
+</file>
+
+<file path=ppt/slides/slide13.xml><?xml version="1.0" encoding="utf-8"?>
+<p:sld xmlns:a="http://schemas.openxmlformats.org/drawingml/2006/main" xmlns:r="http://schemas.openxmlformats.org/officeDocument/2006/relationships" xmlns:p="http://schemas.openxmlformats.org/presentationml/2006/main">
+  <p:cSld>
+    <p:spTree>
+      <p:nvGrpSpPr>
+        <p:cNvPr id="1" name=""/>
+        <p:cNvGrpSpPr/>
+        <p:nvPr/>
+      </p:nvGrpSpPr>
+      <p:grpSpPr>
+        <a:xfrm>
+          <a:off x="0" y="0"/>
+          <a:ext cx="0" cy="0"/>
+          <a:chOff x="0" y="0"/>
+          <a:chExt cx="0" cy="0"/>
+        </a:xfrm>
+      </p:grpSpPr>
+      <p:sp>
+        <p:nvSpPr>
+          <p:cNvPr id="2" name="Title 1">
+            <a:extLst>
+              <a:ext uri="{FF2B5EF4-FFF2-40B4-BE49-F238E27FC236}">
+                <a16:creationId xmlns:a16="http://schemas.microsoft.com/office/drawing/2014/main" id="{53161E59-5334-BC6B-3E1B-7130E0FCB2BD}"/>
+              </a:ext>
+            </a:extLst>
+          </p:cNvPr>
+          <p:cNvSpPr>
+            <a:spLocks noGrp="1"/>
+          </p:cNvSpPr>
+          <p:nvPr>
+            <p:ph type="title"/>
+          </p:nvPr>
+        </p:nvSpPr>
+        <p:spPr/>
+        <p:txBody>
+          <a:bodyPr>
+            <a:normAutofit/>
+          </a:bodyPr>
+          <a:lstStyle/>
+          <a:p>
+            <a:r>
+              <a:rPr lang="en-CA" sz="4000" dirty="0"/>
+              <a:t>Measured channel propagation delay = 3.77ns</a:t>
+            </a:r>
+          </a:p>
+        </p:txBody>
+      </p:sp>
+      <p:pic>
+        <p:nvPicPr>
+          <p:cNvPr id="4" name="Picture 3">
+            <a:extLst>
+              <a:ext uri="{FF2B5EF4-FFF2-40B4-BE49-F238E27FC236}">
+                <a16:creationId xmlns:a16="http://schemas.microsoft.com/office/drawing/2014/main" id="{45D3E046-37CD-2B33-6001-22769E19B92A}"/>
+              </a:ext>
+            </a:extLst>
+          </p:cNvPr>
+          <p:cNvPicPr>
+            <a:picLocks noChangeAspect="1"/>
+          </p:cNvPicPr>
+          <p:nvPr/>
+        </p:nvPicPr>
+        <p:blipFill>
+          <a:blip r:embed="rId2"/>
+          <a:stretch>
+            <a:fillRect/>
+          </a:stretch>
+        </p:blipFill>
+        <p:spPr>
+          <a:xfrm>
+            <a:off x="0" y="1690688"/>
+            <a:ext cx="12192000" cy="4536263"/>
+          </a:xfrm>
+          <a:prstGeom prst="rect">
+            <a:avLst/>
+          </a:prstGeom>
+        </p:spPr>
+      </p:pic>
+      <p:pic>
+        <p:nvPicPr>
+          <p:cNvPr id="6" name="Picture 5">
+            <a:extLst>
+              <a:ext uri="{FF2B5EF4-FFF2-40B4-BE49-F238E27FC236}">
+                <a16:creationId xmlns:a16="http://schemas.microsoft.com/office/drawing/2014/main" id="{0C5DA0E2-3E1B-F689-F8B4-5AB578A877C2}"/>
+              </a:ext>
+            </a:extLst>
+          </p:cNvPr>
+          <p:cNvPicPr>
+            <a:picLocks noChangeAspect="1"/>
+          </p:cNvPicPr>
+          <p:nvPr/>
+        </p:nvPicPr>
+        <p:blipFill>
+          <a:blip r:embed="rId3"/>
+          <a:stretch>
+            <a:fillRect/>
+          </a:stretch>
+        </p:blipFill>
+        <p:spPr>
+          <a:xfrm>
+            <a:off x="2595715" y="3268309"/>
+            <a:ext cx="3915119" cy="1559330"/>
+          </a:xfrm>
+          <a:prstGeom prst="rect">
+            <a:avLst/>
+          </a:prstGeom>
+          <a:ln w="76200">
+            <a:solidFill>
+              <a:schemeClr val="bg1"/>
+            </a:solidFill>
+          </a:ln>
+        </p:spPr>
+      </p:pic>
+    </p:spTree>
+    <p:extLst>
+      <p:ext uri="{BB962C8B-B14F-4D97-AF65-F5344CB8AC3E}">
+        <p14:creationId xmlns:p14="http://schemas.microsoft.com/office/powerpoint/2010/main" val="2294556446"/>
+      </p:ext>
+    </p:extLst>
+  </p:cSld>
+  <p:clrMapOvr>
+    <a:masterClrMapping/>
+  </p:clrMapOvr>
+</p:sld>
+</file>
+
+<file path=ppt/slides/slide14.xml><?xml version="1.0" encoding="utf-8"?>
+<p:sld xmlns:a="http://schemas.openxmlformats.org/drawingml/2006/main" xmlns:r="http://schemas.openxmlformats.org/officeDocument/2006/relationships" xmlns:p="http://schemas.openxmlformats.org/presentationml/2006/main">
+  <p:cSld>
+    <p:spTree>
+      <p:nvGrpSpPr>
+        <p:cNvPr id="1" name=""/>
+        <p:cNvGrpSpPr/>
+        <p:nvPr/>
+      </p:nvGrpSpPr>
+      <p:grpSpPr>
+        <a:xfrm>
+          <a:off x="0" y="0"/>
+          <a:ext cx="0" cy="0"/>
+          <a:chOff x="0" y="0"/>
+          <a:chExt cx="0" cy="0"/>
+        </a:xfrm>
+      </p:grpSpPr>
+      <p:sp>
+        <p:nvSpPr>
+          <p:cNvPr id="2" name="Title 1">
+            <a:extLst>
+              <a:ext uri="{FF2B5EF4-FFF2-40B4-BE49-F238E27FC236}">
+                <a16:creationId xmlns:a16="http://schemas.microsoft.com/office/drawing/2014/main" id="{2470B92D-2CBE-EF93-BDDF-923BD3D3CD8D}"/>
+              </a:ext>
+            </a:extLst>
+          </p:cNvPr>
+          <p:cNvSpPr>
+            <a:spLocks noGrp="1"/>
+          </p:cNvSpPr>
+          <p:nvPr>
+            <p:ph type="title"/>
+          </p:nvPr>
+        </p:nvSpPr>
+        <p:spPr/>
+        <p:txBody>
+          <a:bodyPr/>
+          <a:lstStyle/>
+          <a:p>
+            <a:r>
+              <a:rPr lang="en-CA" dirty="0"/>
+              <a:t>Result with modified time delay</a:t>
+            </a:r>
+          </a:p>
+        </p:txBody>
+      </p:sp>
+      <p:pic>
+        <p:nvPicPr>
+          <p:cNvPr id="4" name="Picture 3">
+            <a:extLst>
+              <a:ext uri="{FF2B5EF4-FFF2-40B4-BE49-F238E27FC236}">
+                <a16:creationId xmlns:a16="http://schemas.microsoft.com/office/drawing/2014/main" id="{AE5EA26C-A6FD-97AE-492E-065E512E1DD1}"/>
+              </a:ext>
+            </a:extLst>
+          </p:cNvPr>
+          <p:cNvPicPr>
+            <a:picLocks noChangeAspect="1"/>
+          </p:cNvPicPr>
+          <p:nvPr/>
+        </p:nvPicPr>
+        <p:blipFill>
+          <a:blip r:embed="rId2"/>
+          <a:stretch>
+            <a:fillRect/>
+          </a:stretch>
+        </p:blipFill>
+        <p:spPr>
+          <a:xfrm>
+            <a:off x="0" y="1969319"/>
+            <a:ext cx="12192000" cy="4523556"/>
+          </a:xfrm>
+          <a:prstGeom prst="rect">
+            <a:avLst/>
+          </a:prstGeom>
+        </p:spPr>
+      </p:pic>
+    </p:spTree>
+    <p:extLst>
+      <p:ext uri="{BB962C8B-B14F-4D97-AF65-F5344CB8AC3E}">
+        <p14:creationId xmlns:p14="http://schemas.microsoft.com/office/powerpoint/2010/main" val="1721973451"/>
+      </p:ext>
+    </p:extLst>
+  </p:cSld>
+  <p:clrMapOvr>
+    <a:masterClrMapping/>
+  </p:clrMapOvr>
+</p:sld>
+</file>
+
+<file path=ppt/slides/slide15.xml><?xml version="1.0" encoding="utf-8"?>
+<p:sld xmlns:a="http://schemas.openxmlformats.org/drawingml/2006/main" xmlns:r="http://schemas.openxmlformats.org/officeDocument/2006/relationships" xmlns:p="http://schemas.openxmlformats.org/presentationml/2006/main">
+  <p:cSld>
+    <p:spTree>
+      <p:nvGrpSpPr>
+        <p:cNvPr id="1" name=""/>
+        <p:cNvGrpSpPr/>
+        <p:nvPr/>
+      </p:nvGrpSpPr>
+      <p:grpSpPr>
+        <a:xfrm>
+          <a:off x="0" y="0"/>
+          <a:ext cx="0" cy="0"/>
+          <a:chOff x="0" y="0"/>
+          <a:chExt cx="0" cy="0"/>
+        </a:xfrm>
+      </p:grpSpPr>
+      <p:sp>
+        <p:nvSpPr>
+          <p:cNvPr id="2" name="Title 1">
+            <a:extLst>
+              <a:ext uri="{FF2B5EF4-FFF2-40B4-BE49-F238E27FC236}">
+                <a16:creationId xmlns:a16="http://schemas.microsoft.com/office/drawing/2014/main" id="{CE8E992C-AA7D-5483-6026-2325F00D62BE}"/>
+              </a:ext>
+            </a:extLst>
+          </p:cNvPr>
+          <p:cNvSpPr>
+            <a:spLocks noGrp="1"/>
+          </p:cNvSpPr>
+          <p:nvPr>
+            <p:ph type="title"/>
+          </p:nvPr>
+        </p:nvSpPr>
+        <p:spPr/>
+        <p:txBody>
+          <a:bodyPr/>
+          <a:lstStyle/>
+          <a:p>
+            <a:r>
+              <a:rPr lang="en-CA" dirty="0"/>
+              <a:t>A closer look</a:t>
+            </a:r>
+          </a:p>
+        </p:txBody>
+      </p:sp>
+      <p:pic>
+        <p:nvPicPr>
+          <p:cNvPr id="4" name="Picture 3">
+            <a:extLst>
+              <a:ext uri="{FF2B5EF4-FFF2-40B4-BE49-F238E27FC236}">
+                <a16:creationId xmlns:a16="http://schemas.microsoft.com/office/drawing/2014/main" id="{07516D9C-6F84-4E0C-C4B5-D2F372963671}"/>
+              </a:ext>
+            </a:extLst>
+          </p:cNvPr>
+          <p:cNvPicPr>
+            <a:picLocks noChangeAspect="1"/>
+          </p:cNvPicPr>
+          <p:nvPr/>
+        </p:nvPicPr>
+        <p:blipFill>
+          <a:blip r:embed="rId2"/>
+          <a:stretch>
+            <a:fillRect/>
+          </a:stretch>
+        </p:blipFill>
+        <p:spPr>
+          <a:xfrm>
+            <a:off x="0" y="1690688"/>
+            <a:ext cx="12192000" cy="4523556"/>
+          </a:xfrm>
+          <a:prstGeom prst="rect">
+            <a:avLst/>
+          </a:prstGeom>
+        </p:spPr>
+      </p:pic>
+    </p:spTree>
+    <p:extLst>
+      <p:ext uri="{BB962C8B-B14F-4D97-AF65-F5344CB8AC3E}">
+        <p14:creationId xmlns:p14="http://schemas.microsoft.com/office/powerpoint/2010/main" val="782991640"/>
+      </p:ext>
+    </p:extLst>
+  </p:cSld>
+  <p:clrMapOvr>
+    <a:masterClrMapping/>
+  </p:clrMapOvr>
+</p:sld>
+</file>
+
+<file path=ppt/slides/slide16.xml><?xml version="1.0" encoding="utf-8"?>
+<p:sld xmlns:a="http://schemas.openxmlformats.org/drawingml/2006/main" xmlns:r="http://schemas.openxmlformats.org/officeDocument/2006/relationships" xmlns:p="http://schemas.openxmlformats.org/presentationml/2006/main">
+  <p:cSld>
+    <p:spTree>
+      <p:nvGrpSpPr>
+        <p:cNvPr id="1" name=""/>
+        <p:cNvGrpSpPr/>
+        <p:nvPr/>
+      </p:nvGrpSpPr>
+      <p:grpSpPr>
+        <a:xfrm>
+          <a:off x="0" y="0"/>
+          <a:ext cx="0" cy="0"/>
+          <a:chOff x="0" y="0"/>
+          <a:chExt cx="0" cy="0"/>
+        </a:xfrm>
+      </p:grpSpPr>
+      <p:sp>
+        <p:nvSpPr>
+          <p:cNvPr id="2" name="Title 1">
+            <a:extLst>
+              <a:ext uri="{FF2B5EF4-FFF2-40B4-BE49-F238E27FC236}">
+                <a16:creationId xmlns:a16="http://schemas.microsoft.com/office/drawing/2014/main" id="{62473801-8816-BA5D-4D34-8DCBC35C6BDE}"/>
+              </a:ext>
+            </a:extLst>
+          </p:cNvPr>
+          <p:cNvSpPr>
+            <a:spLocks noGrp="1"/>
+          </p:cNvSpPr>
+          <p:nvPr>
+            <p:ph type="title"/>
+          </p:nvPr>
+        </p:nvSpPr>
+        <p:spPr/>
+        <p:txBody>
+          <a:bodyPr/>
+          <a:lstStyle/>
+          <a:p>
+            <a:r>
+              <a:rPr lang="en-CA" dirty="0"/>
+              <a:t>Workaround</a:t>
+            </a:r>
+          </a:p>
+        </p:txBody>
+      </p:sp>
+      <p:pic>
+        <p:nvPicPr>
+          <p:cNvPr id="4" name="Picture 3">
+            <a:extLst>
+              <a:ext uri="{FF2B5EF4-FFF2-40B4-BE49-F238E27FC236}">
+                <a16:creationId xmlns:a16="http://schemas.microsoft.com/office/drawing/2014/main" id="{F3F4320B-53AE-72A0-9E8A-1897EDF8B692}"/>
+              </a:ext>
+            </a:extLst>
+          </p:cNvPr>
+          <p:cNvPicPr>
+            <a:picLocks noChangeAspect="1"/>
+          </p:cNvPicPr>
+          <p:nvPr/>
+        </p:nvPicPr>
+        <p:blipFill>
+          <a:blip r:embed="rId2"/>
+          <a:stretch>
+            <a:fillRect/>
+          </a:stretch>
+        </p:blipFill>
+        <p:spPr>
+          <a:xfrm>
+            <a:off x="0" y="2028452"/>
+            <a:ext cx="12192000" cy="4464423"/>
+          </a:xfrm>
+          <a:prstGeom prst="rect">
+            <a:avLst/>
+          </a:prstGeom>
+        </p:spPr>
+      </p:pic>
+      <p:sp>
+        <p:nvSpPr>
+          <p:cNvPr id="5" name="Rectangle 4">
+            <a:extLst>
+              <a:ext uri="{FF2B5EF4-FFF2-40B4-BE49-F238E27FC236}">
+                <a16:creationId xmlns:a16="http://schemas.microsoft.com/office/drawing/2014/main" id="{12972BBF-A8C3-0E0A-AF34-02D38F194A07}"/>
+              </a:ext>
+            </a:extLst>
+          </p:cNvPr>
+          <p:cNvSpPr/>
+          <p:nvPr/>
+        </p:nvSpPr>
+        <p:spPr>
+          <a:xfrm>
+            <a:off x="9261987" y="4994787"/>
+            <a:ext cx="1730478" cy="1425678"/>
+          </a:xfrm>
+          <a:prstGeom prst="rect">
+            <a:avLst/>
+          </a:prstGeom>
+          <a:noFill/>
+          <a:ln w="76200">
+            <a:solidFill>
+              <a:srgbClr val="FF0000"/>
+            </a:solidFill>
+          </a:ln>
+        </p:spPr>
+        <p:style>
+          <a:lnRef idx="2">
+            <a:schemeClr val="accent1">
+              <a:shade val="15000"/>
+            </a:schemeClr>
+          </a:lnRef>
+          <a:fillRef idx="1">
+            <a:schemeClr val="accent1"/>
+          </a:fillRef>
+          <a:effectRef idx="0">
+            <a:schemeClr val="accent1"/>
+          </a:effectRef>
+          <a:fontRef idx="minor">
+            <a:schemeClr val="lt1"/>
+          </a:fontRef>
+        </p:style>
+        <p:txBody>
+          <a:bodyPr rtlCol="0" anchor="ctr"/>
+          <a:lstStyle/>
+          <a:p>
+            <a:pPr algn="ctr"/>
+            <a:endParaRPr lang="en-CA"/>
+          </a:p>
+        </p:txBody>
+      </p:sp>
+    </p:spTree>
+    <p:extLst>
+      <p:ext uri="{BB962C8B-B14F-4D97-AF65-F5344CB8AC3E}">
+        <p14:creationId xmlns:p14="http://schemas.microsoft.com/office/powerpoint/2010/main" val="59980894"/>
+      </p:ext>
+    </p:extLst>
+  </p:cSld>
+  <p:clrMapOvr>
+    <a:masterClrMapping/>
+  </p:clrMapOvr>
+</p:sld>
+</file>
+
+<file path=ppt/slides/slide17.xml><?xml version="1.0" encoding="utf-8"?>
+<p:sld xmlns:a="http://schemas.openxmlformats.org/drawingml/2006/main" xmlns:r="http://schemas.openxmlformats.org/officeDocument/2006/relationships" xmlns:p="http://schemas.openxmlformats.org/presentationml/2006/main">
+  <p:cSld>
+    <p:spTree>
+      <p:nvGrpSpPr>
+        <p:cNvPr id="1" name=""/>
+        <p:cNvGrpSpPr/>
+        <p:nvPr/>
+      </p:nvGrpSpPr>
+      <p:grpSpPr>
+        <a:xfrm>
+          <a:off x="0" y="0"/>
+          <a:ext cx="0" cy="0"/>
+          <a:chOff x="0" y="0"/>
+          <a:chExt cx="0" cy="0"/>
+        </a:xfrm>
+      </p:grpSpPr>
+      <p:pic>
+        <p:nvPicPr>
+          <p:cNvPr id="3" name="Picture 2">
+            <a:extLst>
+              <a:ext uri="{FF2B5EF4-FFF2-40B4-BE49-F238E27FC236}">
+                <a16:creationId xmlns:a16="http://schemas.microsoft.com/office/drawing/2014/main" id="{E2ECF52C-20ED-9010-1C11-F149153AB324}"/>
+              </a:ext>
+            </a:extLst>
+          </p:cNvPr>
+          <p:cNvPicPr>
+            <a:picLocks noChangeAspect="1"/>
+          </p:cNvPicPr>
+          <p:nvPr/>
+        </p:nvPicPr>
+        <p:blipFill>
+          <a:blip r:embed="rId2"/>
+          <a:srcRect r="54071"/>
+          <a:stretch>
+            <a:fillRect/>
+          </a:stretch>
+        </p:blipFill>
+        <p:spPr>
+          <a:xfrm>
+            <a:off x="6096000" y="1460460"/>
+            <a:ext cx="6095999" cy="4945255"/>
+          </a:xfrm>
+          <a:prstGeom prst="rect">
+            <a:avLst/>
+          </a:prstGeom>
+        </p:spPr>
+      </p:pic>
+      <p:pic>
+        <p:nvPicPr>
+          <p:cNvPr id="5" name="Picture 4">
+            <a:extLst>
+              <a:ext uri="{FF2B5EF4-FFF2-40B4-BE49-F238E27FC236}">
+                <a16:creationId xmlns:a16="http://schemas.microsoft.com/office/drawing/2014/main" id="{3E2890CA-837C-8106-E35B-67A60FBF92FF}"/>
+              </a:ext>
+            </a:extLst>
+          </p:cNvPr>
+          <p:cNvPicPr>
+            <a:picLocks noChangeAspect="1"/>
+          </p:cNvPicPr>
+          <p:nvPr/>
+        </p:nvPicPr>
+        <p:blipFill>
+          <a:blip r:embed="rId3"/>
+          <a:srcRect r="53897"/>
+          <a:stretch>
+            <a:fillRect/>
+          </a:stretch>
+        </p:blipFill>
+        <p:spPr>
+          <a:xfrm>
+            <a:off x="0" y="1479160"/>
+            <a:ext cx="6096001" cy="4926555"/>
+          </a:xfrm>
+          <a:prstGeom prst="rect">
+            <a:avLst/>
+          </a:prstGeom>
+        </p:spPr>
+      </p:pic>
+      <p:sp>
+        <p:nvSpPr>
+          <p:cNvPr id="6" name="TextBox 5">
+            <a:extLst>
+              <a:ext uri="{FF2B5EF4-FFF2-40B4-BE49-F238E27FC236}">
+                <a16:creationId xmlns:a16="http://schemas.microsoft.com/office/drawing/2014/main" id="{23E4E7EA-E775-1ABF-12DE-BB9B8D40C0CD}"/>
+              </a:ext>
+            </a:extLst>
+          </p:cNvPr>
+          <p:cNvSpPr txBox="1"/>
+          <p:nvPr/>
+        </p:nvSpPr>
+        <p:spPr>
+          <a:xfrm>
+            <a:off x="2280803" y="771274"/>
+            <a:ext cx="1534394" cy="707886"/>
+          </a:xfrm>
+          <a:prstGeom prst="rect">
+            <a:avLst/>
+          </a:prstGeom>
+          <a:noFill/>
+        </p:spPr>
+        <p:txBody>
+          <a:bodyPr wrap="none" rtlCol="0">
+            <a:spAutoFit/>
+          </a:bodyPr>
+          <a:lstStyle/>
+          <a:p>
+            <a:r>
+              <a:rPr lang="en-CA" sz="4000" dirty="0"/>
+              <a:t>100 </a:t>
+            </a:r>
+            <a:r>
+              <a:rPr lang="en-CA" sz="4000" dirty="0" err="1"/>
+              <a:t>fF</a:t>
+            </a:r>
+            <a:endParaRPr lang="en-CA" sz="4000" dirty="0"/>
+          </a:p>
+        </p:txBody>
+      </p:sp>
+      <p:sp>
+        <p:nvSpPr>
+          <p:cNvPr id="7" name="TextBox 6">
+            <a:extLst>
+              <a:ext uri="{FF2B5EF4-FFF2-40B4-BE49-F238E27FC236}">
+                <a16:creationId xmlns:a16="http://schemas.microsoft.com/office/drawing/2014/main" id="{5438B5AB-63B7-46E8-54C1-65A239C8E20C}"/>
+              </a:ext>
+            </a:extLst>
+          </p:cNvPr>
+          <p:cNvSpPr txBox="1"/>
+          <p:nvPr/>
+        </p:nvSpPr>
+        <p:spPr>
+          <a:xfrm>
+            <a:off x="8376803" y="771274"/>
+            <a:ext cx="1534394" cy="707886"/>
+          </a:xfrm>
+          <a:prstGeom prst="rect">
+            <a:avLst/>
+          </a:prstGeom>
+          <a:noFill/>
+        </p:spPr>
+        <p:txBody>
+          <a:bodyPr wrap="none" rtlCol="0">
+            <a:spAutoFit/>
+          </a:bodyPr>
+          <a:lstStyle/>
+          <a:p>
+            <a:r>
+              <a:rPr lang="en-CA" sz="4000" dirty="0"/>
+              <a:t>200 </a:t>
+            </a:r>
+            <a:r>
+              <a:rPr lang="en-CA" sz="4000" dirty="0" err="1"/>
+              <a:t>fF</a:t>
+            </a:r>
+            <a:endParaRPr lang="en-CA" sz="4000" dirty="0"/>
+          </a:p>
+        </p:txBody>
+      </p:sp>
+    </p:spTree>
+    <p:extLst>
+      <p:ext uri="{BB962C8B-B14F-4D97-AF65-F5344CB8AC3E}">
+        <p14:creationId xmlns:p14="http://schemas.microsoft.com/office/powerpoint/2010/main" val="3781697742"/>
       </p:ext>
     </p:extLst>
   </p:cSld>
@@ -3806,6 +4630,18 @@
             <a:r>
               <a:rPr lang="en-CA" dirty="0"/>
               <a:t>Explanation for main driver and replica driver sizing</a:t>
+            </a:r>
+          </a:p>
+          <a:p>
+            <a:r>
+              <a:rPr lang="en-CA" dirty="0"/>
+              <a:t>Channel propagation delay</a:t>
+            </a:r>
+          </a:p>
+          <a:p>
+            <a:r>
+              <a:rPr lang="en-CA" dirty="0"/>
+              <a:t>Simulation refinement</a:t>
             </a:r>
           </a:p>
         </p:txBody>

--- a/nov26.pptx
+++ b/nov26.pptx
@@ -277,7 +277,7 @@
           <a:p>
             <a:fld id="{0F8995FA-B65B-4BED-B894-309B40EC47CF}" type="datetimeFigureOut">
               <a:rPr lang="en-CA" smtClean="0"/>
-              <a:t>2025-11-25</a:t>
+              <a:t>2025-11-26</a:t>
             </a:fld>
             <a:endParaRPr lang="en-CA"/>
           </a:p>
@@ -477,7 +477,7 @@
           <a:p>
             <a:fld id="{0F8995FA-B65B-4BED-B894-309B40EC47CF}" type="datetimeFigureOut">
               <a:rPr lang="en-CA" smtClean="0"/>
-              <a:t>2025-11-25</a:t>
+              <a:t>2025-11-26</a:t>
             </a:fld>
             <a:endParaRPr lang="en-CA"/>
           </a:p>
@@ -687,7 +687,7 @@
           <a:p>
             <a:fld id="{0F8995FA-B65B-4BED-B894-309B40EC47CF}" type="datetimeFigureOut">
               <a:rPr lang="en-CA" smtClean="0"/>
-              <a:t>2025-11-25</a:t>
+              <a:t>2025-11-26</a:t>
             </a:fld>
             <a:endParaRPr lang="en-CA"/>
           </a:p>
@@ -887,7 +887,7 @@
           <a:p>
             <a:fld id="{0F8995FA-B65B-4BED-B894-309B40EC47CF}" type="datetimeFigureOut">
               <a:rPr lang="en-CA" smtClean="0"/>
-              <a:t>2025-11-25</a:t>
+              <a:t>2025-11-26</a:t>
             </a:fld>
             <a:endParaRPr lang="en-CA"/>
           </a:p>
@@ -1163,7 +1163,7 @@
           <a:p>
             <a:fld id="{0F8995FA-B65B-4BED-B894-309B40EC47CF}" type="datetimeFigureOut">
               <a:rPr lang="en-CA" smtClean="0"/>
-              <a:t>2025-11-25</a:t>
+              <a:t>2025-11-26</a:t>
             </a:fld>
             <a:endParaRPr lang="en-CA"/>
           </a:p>
@@ -1431,7 +1431,7 @@
           <a:p>
             <a:fld id="{0F8995FA-B65B-4BED-B894-309B40EC47CF}" type="datetimeFigureOut">
               <a:rPr lang="en-CA" smtClean="0"/>
-              <a:t>2025-11-25</a:t>
+              <a:t>2025-11-26</a:t>
             </a:fld>
             <a:endParaRPr lang="en-CA"/>
           </a:p>
@@ -1846,7 +1846,7 @@
           <a:p>
             <a:fld id="{0F8995FA-B65B-4BED-B894-309B40EC47CF}" type="datetimeFigureOut">
               <a:rPr lang="en-CA" smtClean="0"/>
-              <a:t>2025-11-25</a:t>
+              <a:t>2025-11-26</a:t>
             </a:fld>
             <a:endParaRPr lang="en-CA"/>
           </a:p>
@@ -1988,7 +1988,7 @@
           <a:p>
             <a:fld id="{0F8995FA-B65B-4BED-B894-309B40EC47CF}" type="datetimeFigureOut">
               <a:rPr lang="en-CA" smtClean="0"/>
-              <a:t>2025-11-25</a:t>
+              <a:t>2025-11-26</a:t>
             </a:fld>
             <a:endParaRPr lang="en-CA"/>
           </a:p>
@@ -2101,7 +2101,7 @@
           <a:p>
             <a:fld id="{0F8995FA-B65B-4BED-B894-309B40EC47CF}" type="datetimeFigureOut">
               <a:rPr lang="en-CA" smtClean="0"/>
-              <a:t>2025-11-25</a:t>
+              <a:t>2025-11-26</a:t>
             </a:fld>
             <a:endParaRPr lang="en-CA"/>
           </a:p>
@@ -2414,7 +2414,7 @@
           <a:p>
             <a:fld id="{0F8995FA-B65B-4BED-B894-309B40EC47CF}" type="datetimeFigureOut">
               <a:rPr lang="en-CA" smtClean="0"/>
-              <a:t>2025-11-25</a:t>
+              <a:t>2025-11-26</a:t>
             </a:fld>
             <a:endParaRPr lang="en-CA"/>
           </a:p>
@@ -2703,7 +2703,7 @@
           <a:p>
             <a:fld id="{0F8995FA-B65B-4BED-B894-309B40EC47CF}" type="datetimeFigureOut">
               <a:rPr lang="en-CA" smtClean="0"/>
-              <a:t>2025-11-25</a:t>
+              <a:t>2025-11-26</a:t>
             </a:fld>
             <a:endParaRPr lang="en-CA"/>
           </a:p>
@@ -2946,7 +2946,7 @@
           <a:p>
             <a:fld id="{0F8995FA-B65B-4BED-B894-309B40EC47CF}" type="datetimeFigureOut">
               <a:rPr lang="en-CA" smtClean="0"/>
-              <a:t>2025-11-25</a:t>
+              <a:t>2025-11-26</a:t>
             </a:fld>
             <a:endParaRPr lang="en-CA"/>
           </a:p>
@@ -4005,7 +4005,7 @@
         </p:blipFill>
         <p:spPr>
           <a:xfrm>
-            <a:off x="0" y="1690688"/>
+            <a:off x="0" y="1956612"/>
             <a:ext cx="12192000" cy="4536263"/>
           </a:xfrm>
           <a:prstGeom prst="rect">
@@ -5181,7 +5181,7 @@
         <p:spPr>
           <a:xfrm>
             <a:off x="8632723" y="5889522"/>
-            <a:ext cx="3016788" cy="369332"/>
+            <a:ext cx="3119380" cy="369332"/>
           </a:xfrm>
           <a:prstGeom prst="rect">
             <a:avLst/>
@@ -5205,23 +5205,7 @@
                   <a:srgbClr val="FF0000"/>
                 </a:solidFill>
               </a:rPr>
-              <a:t>@ </a:t>
-            </a:r>
-            <a:r>
-              <a:rPr lang="en-CA" b="1" dirty="0" err="1">
-                <a:solidFill>
-                  <a:srgbClr val="FF0000"/>
-                </a:solidFill>
-              </a:rPr>
-              <a:t>Vdd</a:t>
-            </a:r>
-            <a:r>
-              <a:rPr lang="en-CA" b="1" dirty="0">
-                <a:solidFill>
-                  <a:srgbClr val="FF0000"/>
-                </a:solidFill>
-              </a:rPr>
-              <a:t>/2 with 100 mV swing</a:t>
+              <a:t>@ 0.5Vdd with 100 mV swing</a:t>
             </a:r>
           </a:p>
         </p:txBody>
@@ -5707,7 +5691,7 @@
         <p:spPr>
           <a:xfrm>
             <a:off x="8632723" y="5889522"/>
-            <a:ext cx="3016788" cy="369332"/>
+            <a:ext cx="3119380" cy="369332"/>
           </a:xfrm>
           <a:prstGeom prst="rect">
             <a:avLst/>
@@ -5731,23 +5715,7 @@
                   <a:srgbClr val="FF0000"/>
                 </a:solidFill>
               </a:rPr>
-              <a:t>@ </a:t>
-            </a:r>
-            <a:r>
-              <a:rPr lang="en-CA" b="1" dirty="0" err="1">
-                <a:solidFill>
-                  <a:srgbClr val="FF0000"/>
-                </a:solidFill>
-              </a:rPr>
-              <a:t>Vdd</a:t>
-            </a:r>
-            <a:r>
-              <a:rPr lang="en-CA" b="1" dirty="0">
-                <a:solidFill>
-                  <a:srgbClr val="FF0000"/>
-                </a:solidFill>
-              </a:rPr>
-              <a:t>/2 with 100 mV swing</a:t>
+              <a:t>@ 0.5Vdd with 100 mV swing</a:t>
             </a:r>
           </a:p>
         </p:txBody>
